--- a/materials/slides/ch16-system-service.pptx
+++ b/materials/slides/ch16-system-service.pptx
@@ -274,7 +274,7 @@
           <a:p>
             <a:fld id="{02E60DA2-A0BC-48C9-AA88-75C78721B420}" type="datetimeFigureOut">
               <a:rPr lang="zh-CN" altLang="en-US" smtClean="0"/>
-              <a:t>2018/6/10</a:t>
+              <a:t>2018/6/18</a:t>
             </a:fld>
             <a:endParaRPr lang="zh-CN" altLang="en-US"/>
           </a:p>
@@ -496,7 +496,7 @@
           <a:p>
             <a:fld id="{02E60DA2-A0BC-48C9-AA88-75C78721B420}" type="datetimeFigureOut">
               <a:rPr lang="zh-CN" altLang="en-US" smtClean="0"/>
-              <a:t>2018/6/10</a:t>
+              <a:t>2018/6/18</a:t>
             </a:fld>
             <a:endParaRPr lang="zh-CN" altLang="en-US"/>
           </a:p>
@@ -728,7 +728,7 @@
           <a:p>
             <a:fld id="{02E60DA2-A0BC-48C9-AA88-75C78721B420}" type="datetimeFigureOut">
               <a:rPr lang="zh-CN" altLang="en-US" smtClean="0"/>
-              <a:t>2018/6/10</a:t>
+              <a:t>2018/6/18</a:t>
             </a:fld>
             <a:endParaRPr lang="zh-CN" altLang="en-US"/>
           </a:p>
@@ -978,7 +978,7 @@
           <a:p>
             <a:fld id="{02E60DA2-A0BC-48C9-AA88-75C78721B420}" type="datetimeFigureOut">
               <a:rPr lang="zh-CN" altLang="en-US" smtClean="0"/>
-              <a:t>2018/6/10</a:t>
+              <a:t>2018/6/18</a:t>
             </a:fld>
             <a:endParaRPr lang="zh-CN" altLang="en-US"/>
           </a:p>
@@ -1216,7 +1216,7 @@
           <a:p>
             <a:fld id="{02E60DA2-A0BC-48C9-AA88-75C78721B420}" type="datetimeFigureOut">
               <a:rPr lang="zh-CN" altLang="en-US" smtClean="0"/>
-              <a:t>2018/6/10</a:t>
+              <a:t>2018/6/18</a:t>
             </a:fld>
             <a:endParaRPr lang="zh-CN" altLang="en-US"/>
           </a:p>
@@ -1521,7 +1521,7 @@
           <a:p>
             <a:fld id="{02E60DA2-A0BC-48C9-AA88-75C78721B420}" type="datetimeFigureOut">
               <a:rPr lang="zh-CN" altLang="en-US" smtClean="0"/>
-              <a:t>2018/6/10</a:t>
+              <a:t>2018/6/18</a:t>
             </a:fld>
             <a:endParaRPr lang="zh-CN" altLang="en-US"/>
           </a:p>
@@ -1824,7 +1824,7 @@
           <a:p>
             <a:fld id="{02E60DA2-A0BC-48C9-AA88-75C78721B420}" type="datetimeFigureOut">
               <a:rPr lang="zh-CN" altLang="en-US" smtClean="0"/>
-              <a:t>2018/6/10</a:t>
+              <a:t>2018/6/18</a:t>
             </a:fld>
             <a:endParaRPr lang="zh-CN" altLang="en-US"/>
           </a:p>
@@ -2275,7 +2275,7 @@
           <a:p>
             <a:fld id="{02E60DA2-A0BC-48C9-AA88-75C78721B420}" type="datetimeFigureOut">
               <a:rPr lang="zh-CN" altLang="en-US" smtClean="0"/>
-              <a:t>2018/6/10</a:t>
+              <a:t>2018/6/18</a:t>
             </a:fld>
             <a:endParaRPr lang="zh-CN" altLang="en-US"/>
           </a:p>
@@ -2448,7 +2448,7 @@
           <a:p>
             <a:fld id="{02E60DA2-A0BC-48C9-AA88-75C78721B420}" type="datetimeFigureOut">
               <a:rPr lang="zh-CN" altLang="en-US" smtClean="0"/>
-              <a:t>2018/6/10</a:t>
+              <a:t>2018/6/18</a:t>
             </a:fld>
             <a:endParaRPr lang="zh-CN" altLang="en-US"/>
           </a:p>
@@ -2585,7 +2585,7 @@
           <a:p>
             <a:fld id="{02E60DA2-A0BC-48C9-AA88-75C78721B420}" type="datetimeFigureOut">
               <a:rPr lang="zh-CN" altLang="en-US" smtClean="0"/>
-              <a:t>2018/6/10</a:t>
+              <a:t>2018/6/18</a:t>
             </a:fld>
             <a:endParaRPr lang="zh-CN" altLang="en-US"/>
           </a:p>
@@ -2929,7 +2929,7 @@
           <a:p>
             <a:fld id="{02E60DA2-A0BC-48C9-AA88-75C78721B420}" type="datetimeFigureOut">
               <a:rPr lang="zh-CN" altLang="en-US" smtClean="0"/>
-              <a:t>2018/6/10</a:t>
+              <a:t>2018/6/18</a:t>
             </a:fld>
             <a:endParaRPr lang="zh-CN" altLang="en-US"/>
           </a:p>
@@ -3151,7 +3151,7 @@
           <a:p>
             <a:fld id="{02E60DA2-A0BC-48C9-AA88-75C78721B420}" type="datetimeFigureOut">
               <a:rPr lang="zh-CN" altLang="en-US" smtClean="0"/>
-              <a:t>2018/6/10</a:t>
+              <a:t>2018/6/18</a:t>
             </a:fld>
             <a:endParaRPr lang="zh-CN" altLang="en-US"/>
           </a:p>
@@ -3472,7 +3472,7 @@
           <a:p>
             <a:fld id="{02E60DA2-A0BC-48C9-AA88-75C78721B420}" type="datetimeFigureOut">
               <a:rPr lang="zh-CN" altLang="en-US" smtClean="0"/>
-              <a:t>2018/6/10</a:t>
+              <a:t>2018/6/18</a:t>
             </a:fld>
             <a:endParaRPr lang="zh-CN" altLang="en-US"/>
           </a:p>
@@ -3710,7 +3710,7 @@
           <a:p>
             <a:fld id="{02E60DA2-A0BC-48C9-AA88-75C78721B420}" type="datetimeFigureOut">
               <a:rPr lang="zh-CN" altLang="en-US" smtClean="0"/>
-              <a:t>2018/6/10</a:t>
+              <a:t>2018/6/18</a:t>
             </a:fld>
             <a:endParaRPr lang="zh-CN" altLang="en-US"/>
           </a:p>
@@ -3948,7 +3948,7 @@
           <a:p>
             <a:fld id="{02E60DA2-A0BC-48C9-AA88-75C78721B420}" type="datetimeFigureOut">
               <a:rPr lang="zh-CN" altLang="en-US" smtClean="0"/>
-              <a:t>2018/6/10</a:t>
+              <a:t>2018/6/18</a:t>
             </a:fld>
             <a:endParaRPr lang="zh-CN" altLang="en-US"/>
           </a:p>
@@ -4247,7 +4247,7 @@
           <a:p>
             <a:fld id="{02E60DA2-A0BC-48C9-AA88-75C78721B420}" type="datetimeFigureOut">
               <a:rPr lang="zh-CN" altLang="en-US" smtClean="0"/>
-              <a:t>2018/6/10</a:t>
+              <a:t>2018/6/18</a:t>
             </a:fld>
             <a:endParaRPr lang="zh-CN" altLang="en-US"/>
           </a:p>
@@ -4536,7 +4536,7 @@
           <a:p>
             <a:fld id="{02E60DA2-A0BC-48C9-AA88-75C78721B420}" type="datetimeFigureOut">
               <a:rPr lang="zh-CN" altLang="en-US" smtClean="0"/>
-              <a:t>2018/6/10</a:t>
+              <a:t>2018/6/18</a:t>
             </a:fld>
             <a:endParaRPr lang="zh-CN" altLang="en-US"/>
           </a:p>
@@ -4972,7 +4972,7 @@
           <a:p>
             <a:fld id="{02E60DA2-A0BC-48C9-AA88-75C78721B420}" type="datetimeFigureOut">
               <a:rPr lang="zh-CN" altLang="en-US" smtClean="0"/>
-              <a:t>2018/6/10</a:t>
+              <a:t>2018/6/18</a:t>
             </a:fld>
             <a:endParaRPr lang="zh-CN" altLang="en-US"/>
           </a:p>
@@ -5137,7 +5137,7 @@
           <a:p>
             <a:fld id="{02E60DA2-A0BC-48C9-AA88-75C78721B420}" type="datetimeFigureOut">
               <a:rPr lang="zh-CN" altLang="en-US" smtClean="0"/>
-              <a:t>2018/6/10</a:t>
+              <a:t>2018/6/18</a:t>
             </a:fld>
             <a:endParaRPr lang="zh-CN" altLang="en-US"/>
           </a:p>
@@ -5274,7 +5274,7 @@
           <a:p>
             <a:fld id="{02E60DA2-A0BC-48C9-AA88-75C78721B420}" type="datetimeFigureOut">
               <a:rPr lang="zh-CN" altLang="en-US" smtClean="0"/>
-              <a:t>2018/6/10</a:t>
+              <a:t>2018/6/18</a:t>
             </a:fld>
             <a:endParaRPr lang="zh-CN" altLang="en-US"/>
           </a:p>
@@ -5609,7 +5609,7 @@
           <a:p>
             <a:fld id="{02E60DA2-A0BC-48C9-AA88-75C78721B420}" type="datetimeFigureOut">
               <a:rPr lang="zh-CN" altLang="en-US" smtClean="0"/>
-              <a:t>2018/6/10</a:t>
+              <a:t>2018/6/18</a:t>
             </a:fld>
             <a:endParaRPr lang="zh-CN" altLang="en-US"/>
           </a:p>
@@ -5921,7 +5921,7 @@
           <a:p>
             <a:fld id="{02E60DA2-A0BC-48C9-AA88-75C78721B420}" type="datetimeFigureOut">
               <a:rPr lang="zh-CN" altLang="en-US" smtClean="0"/>
-              <a:t>2018/6/10</a:t>
+              <a:t>2018/6/18</a:t>
             </a:fld>
             <a:endParaRPr lang="zh-CN" altLang="en-US"/>
           </a:p>
@@ -7217,7 +7217,15 @@
           <a:p>
             <a:r>
               <a:rPr lang="zh-CN" altLang="en-US" sz="2400" dirty="0"/>
-              <a:t>而系统服务程序运行后是守护进程（</a:t>
+              <a:t>而系统服务程序</a:t>
+            </a:r>
+            <a:r>
+              <a:rPr lang="zh-CN" altLang="en-US" sz="2400"/>
+              <a:t>运行后往往是</a:t>
+            </a:r>
+            <a:r>
+              <a:rPr lang="zh-CN" altLang="en-US" sz="2400" dirty="0"/>
+              <a:t>守护进程（</a:t>
             </a:r>
             <a:r>
               <a:rPr lang="en-US" altLang="zh-CN" sz="2400" dirty="0"/>
